--- a/ppt/thesis.pptx
+++ b/ppt/thesis.pptx
@@ -133,6 +133,11 @@
       </a:defRPr>
     </a:lvl9pPr>
   </p:defaultTextStyle>
+  <p:extLst>
+    <p:ext uri="{EFAFB233-063F-42B5-8137-9DF3F51BA10A}">
+      <p15:sldGuideLst xmlns:p15="http://schemas.microsoft.com/office/powerpoint/2012/main"/>
+    </p:ext>
+  </p:extLst>
 </p:presentation>
 </file>
 
@@ -633,7 +638,7 @@
           <a:p>
             <a:fld id="{9CED7BD2-846F-4874-B870-4ACFFB3ECA07}" type="datetimeFigureOut">
               <a:rPr lang="zh-TW" altLang="en-US" smtClean="0"/>
-              <a:t>2019/3/5</a:t>
+              <a:t>2019/3/6</a:t>
             </a:fld>
             <a:endParaRPr lang="zh-TW" altLang="en-US"/>
           </a:p>
@@ -829,7 +834,7 @@
           <a:p>
             <a:fld id="{9CED7BD2-846F-4874-B870-4ACFFB3ECA07}" type="datetimeFigureOut">
               <a:rPr lang="zh-TW" altLang="en-US" smtClean="0"/>
-              <a:t>2019/3/5</a:t>
+              <a:t>2019/3/6</a:t>
             </a:fld>
             <a:endParaRPr lang="zh-TW" altLang="en-US"/>
           </a:p>
@@ -1009,7 +1014,7 @@
           <a:p>
             <a:fld id="{9CED7BD2-846F-4874-B870-4ACFFB3ECA07}" type="datetimeFigureOut">
               <a:rPr lang="zh-TW" altLang="en-US" smtClean="0"/>
-              <a:t>2019/3/5</a:t>
+              <a:t>2019/3/6</a:t>
             </a:fld>
             <a:endParaRPr lang="zh-TW" altLang="en-US"/>
           </a:p>
@@ -1179,7 +1184,7 @@
           <a:p>
             <a:fld id="{9CED7BD2-846F-4874-B870-4ACFFB3ECA07}" type="datetimeFigureOut">
               <a:rPr lang="zh-TW" altLang="en-US" smtClean="0"/>
-              <a:t>2019/3/5</a:t>
+              <a:t>2019/3/6</a:t>
             </a:fld>
             <a:endParaRPr lang="zh-TW" altLang="en-US"/>
           </a:p>
@@ -1792,7 +1797,7 @@
           <a:p>
             <a:fld id="{9CED7BD2-846F-4874-B870-4ACFFB3ECA07}" type="datetimeFigureOut">
               <a:rPr lang="zh-TW" altLang="en-US" smtClean="0"/>
-              <a:t>2019/3/5</a:t>
+              <a:t>2019/3/6</a:t>
             </a:fld>
             <a:endParaRPr lang="zh-TW" altLang="en-US"/>
           </a:p>
@@ -2106,7 +2111,7 @@
           <a:p>
             <a:fld id="{9CED7BD2-846F-4874-B870-4ACFFB3ECA07}" type="datetimeFigureOut">
               <a:rPr lang="zh-TW" altLang="en-US" smtClean="0"/>
-              <a:t>2019/3/5</a:t>
+              <a:t>2019/3/6</a:t>
             </a:fld>
             <a:endParaRPr lang="zh-TW" altLang="en-US"/>
           </a:p>
@@ -2543,7 +2548,7 @@
           <a:p>
             <a:fld id="{9CED7BD2-846F-4874-B870-4ACFFB3ECA07}" type="datetimeFigureOut">
               <a:rPr lang="zh-TW" altLang="en-US" smtClean="0"/>
-              <a:t>2019/3/5</a:t>
+              <a:t>2019/3/6</a:t>
             </a:fld>
             <a:endParaRPr lang="zh-TW" altLang="en-US"/>
           </a:p>
@@ -2661,7 +2666,7 @@
           <a:p>
             <a:fld id="{9CED7BD2-846F-4874-B870-4ACFFB3ECA07}" type="datetimeFigureOut">
               <a:rPr lang="zh-TW" altLang="en-US" smtClean="0"/>
-              <a:t>2019/3/5</a:t>
+              <a:t>2019/3/6</a:t>
             </a:fld>
             <a:endParaRPr lang="zh-TW" altLang="en-US"/>
           </a:p>
@@ -2756,7 +2761,7 @@
           <a:p>
             <a:fld id="{9CED7BD2-846F-4874-B870-4ACFFB3ECA07}" type="datetimeFigureOut">
               <a:rPr lang="zh-TW" altLang="en-US" smtClean="0"/>
-              <a:t>2019/3/5</a:t>
+              <a:t>2019/3/6</a:t>
             </a:fld>
             <a:endParaRPr lang="zh-TW" altLang="en-US"/>
           </a:p>
@@ -3141,7 +3146,7 @@
           <a:p>
             <a:fld id="{9CED7BD2-846F-4874-B870-4ACFFB3ECA07}" type="datetimeFigureOut">
               <a:rPr lang="zh-TW" altLang="en-US" smtClean="0"/>
-              <a:t>2019/3/5</a:t>
+              <a:t>2019/3/6</a:t>
             </a:fld>
             <a:endParaRPr lang="zh-TW" altLang="en-US"/>
           </a:p>
@@ -3522,7 +3527,7 @@
           <a:p>
             <a:fld id="{9CED7BD2-846F-4874-B870-4ACFFB3ECA07}" type="datetimeFigureOut">
               <a:rPr lang="zh-TW" altLang="en-US" smtClean="0"/>
-              <a:t>2019/3/5</a:t>
+              <a:t>2019/3/6</a:t>
             </a:fld>
             <a:endParaRPr lang="zh-TW" altLang="en-US"/>
           </a:p>
@@ -3791,7 +3796,7 @@
           <a:p>
             <a:fld id="{9CED7BD2-846F-4874-B870-4ACFFB3ECA07}" type="datetimeFigureOut">
               <a:rPr lang="zh-TW" altLang="en-US" smtClean="0"/>
-              <a:t>2019/3/5</a:t>
+              <a:t>2019/3/6</a:t>
             </a:fld>
             <a:endParaRPr lang="zh-TW" altLang="en-US"/>
           </a:p>
@@ -6063,12 +6068,53 @@
         </p:blipFill>
         <p:spPr>
           <a:xfrm>
-            <a:off x="1758863" y="2939311"/>
+            <a:off x="844463" y="2932253"/>
             <a:ext cx="5343395" cy="3005659"/>
           </a:xfrm>
           <a:prstGeom prst="rect">
             <a:avLst/>
           </a:prstGeom>
+        </p:spPr>
+      </p:pic>
+      <p:pic>
+        <p:nvPicPr>
+          <p:cNvPr id="1026" name="Picture 2" descr="https://deepmind.com/static/v0.0.0/images/deepmind_logo.png"/>
+          <p:cNvPicPr>
+            <a:picLocks noChangeAspect="1" noChangeArrowheads="1"/>
+          </p:cNvPicPr>
+          <p:nvPr/>
+        </p:nvPicPr>
+        <p:blipFill>
+          <a:blip r:embed="rId3">
+            <a:extLst>
+              <a:ext uri="{28A0092B-C50C-407E-A947-70E740481C1C}">
+                <a14:useLocalDpi xmlns:a14="http://schemas.microsoft.com/office/drawing/2010/main" val="0"/>
+              </a:ext>
+            </a:extLst>
+          </a:blip>
+          <a:srcRect/>
+          <a:stretch>
+            <a:fillRect/>
+          </a:stretch>
+        </p:blipFill>
+        <p:spPr bwMode="auto">
+          <a:xfrm>
+            <a:off x="6410195" y="3644795"/>
+            <a:ext cx="5136689" cy="1229816"/>
+          </a:xfrm>
+          <a:prstGeom prst="rect">
+            <a:avLst/>
+          </a:prstGeom>
+          <a:noFill/>
+          <a:extLst>
+            <a:ext uri="{909E8E84-426E-40DD-AFC4-6F175D3DCCD1}">
+              <a14:hiddenFill xmlns:a14="http://schemas.microsoft.com/office/drawing/2010/main">
+                <a:solidFill>
+                  <a:srgbClr val="FFFFFF"/>
+                </a:solidFill>
+              </a14:hiddenFill>
+            </a:ext>
+          </a:extLst>
         </p:spPr>
       </p:pic>
     </p:spTree>
@@ -6198,7 +6244,7 @@
           <a:bodyPr/>
           <a:lstStyle/>
           <a:p>
-            <a:endParaRPr lang="zh-TW" altLang="en-US"/>
+            <a:endParaRPr lang="zh-TW" altLang="en-US" dirty="0"/>
           </a:p>
         </p:txBody>
       </p:sp>
@@ -6214,10 +6260,20 @@
         </p:nvSpPr>
         <p:spPr/>
         <p:txBody>
-          <a:bodyPr/>
-          <a:lstStyle/>
-          <a:p>
-            <a:endParaRPr lang="zh-TW" altLang="en-US" dirty="0"/>
+          <a:bodyPr>
+            <a:normAutofit/>
+          </a:bodyPr>
+          <a:lstStyle/>
+          <a:p>
+            <a:r>
+              <a:rPr lang="zh-TW" altLang="en-US" sz="2400" dirty="0" smtClean="0"/>
+              <a:t>現今人工智慧可以模仿人類</a:t>
+            </a:r>
+            <a:r>
+              <a:rPr lang="zh-TW" altLang="en-US" sz="2400" smtClean="0"/>
+              <a:t>做到許多</a:t>
+            </a:r>
+            <a:endParaRPr lang="zh-TW" altLang="en-US" sz="2400" dirty="0"/>
           </a:p>
         </p:txBody>
       </p:sp>

--- a/ppt/thesis.pptx
+++ b/ppt/thesis.pptx
@@ -638,7 +638,7 @@
           <a:p>
             <a:fld id="{9CED7BD2-846F-4874-B870-4ACFFB3ECA07}" type="datetimeFigureOut">
               <a:rPr lang="zh-TW" altLang="en-US" smtClean="0"/>
-              <a:t>2019/3/6</a:t>
+              <a:t>2019/3/7</a:t>
             </a:fld>
             <a:endParaRPr lang="zh-TW" altLang="en-US"/>
           </a:p>
@@ -834,7 +834,7 @@
           <a:p>
             <a:fld id="{9CED7BD2-846F-4874-B870-4ACFFB3ECA07}" type="datetimeFigureOut">
               <a:rPr lang="zh-TW" altLang="en-US" smtClean="0"/>
-              <a:t>2019/3/6</a:t>
+              <a:t>2019/3/7</a:t>
             </a:fld>
             <a:endParaRPr lang="zh-TW" altLang="en-US"/>
           </a:p>
@@ -1014,7 +1014,7 @@
           <a:p>
             <a:fld id="{9CED7BD2-846F-4874-B870-4ACFFB3ECA07}" type="datetimeFigureOut">
               <a:rPr lang="zh-TW" altLang="en-US" smtClean="0"/>
-              <a:t>2019/3/6</a:t>
+              <a:t>2019/3/7</a:t>
             </a:fld>
             <a:endParaRPr lang="zh-TW" altLang="en-US"/>
           </a:p>
@@ -1184,7 +1184,7 @@
           <a:p>
             <a:fld id="{9CED7BD2-846F-4874-B870-4ACFFB3ECA07}" type="datetimeFigureOut">
               <a:rPr lang="zh-TW" altLang="en-US" smtClean="0"/>
-              <a:t>2019/3/6</a:t>
+              <a:t>2019/3/7</a:t>
             </a:fld>
             <a:endParaRPr lang="zh-TW" altLang="en-US"/>
           </a:p>
@@ -1797,7 +1797,7 @@
           <a:p>
             <a:fld id="{9CED7BD2-846F-4874-B870-4ACFFB3ECA07}" type="datetimeFigureOut">
               <a:rPr lang="zh-TW" altLang="en-US" smtClean="0"/>
-              <a:t>2019/3/6</a:t>
+              <a:t>2019/3/7</a:t>
             </a:fld>
             <a:endParaRPr lang="zh-TW" altLang="en-US"/>
           </a:p>
@@ -2111,7 +2111,7 @@
           <a:p>
             <a:fld id="{9CED7BD2-846F-4874-B870-4ACFFB3ECA07}" type="datetimeFigureOut">
               <a:rPr lang="zh-TW" altLang="en-US" smtClean="0"/>
-              <a:t>2019/3/6</a:t>
+              <a:t>2019/3/7</a:t>
             </a:fld>
             <a:endParaRPr lang="zh-TW" altLang="en-US"/>
           </a:p>
@@ -2548,7 +2548,7 @@
           <a:p>
             <a:fld id="{9CED7BD2-846F-4874-B870-4ACFFB3ECA07}" type="datetimeFigureOut">
               <a:rPr lang="zh-TW" altLang="en-US" smtClean="0"/>
-              <a:t>2019/3/6</a:t>
+              <a:t>2019/3/7</a:t>
             </a:fld>
             <a:endParaRPr lang="zh-TW" altLang="en-US"/>
           </a:p>
@@ -2666,7 +2666,7 @@
           <a:p>
             <a:fld id="{9CED7BD2-846F-4874-B870-4ACFFB3ECA07}" type="datetimeFigureOut">
               <a:rPr lang="zh-TW" altLang="en-US" smtClean="0"/>
-              <a:t>2019/3/6</a:t>
+              <a:t>2019/3/7</a:t>
             </a:fld>
             <a:endParaRPr lang="zh-TW" altLang="en-US"/>
           </a:p>
@@ -2761,7 +2761,7 @@
           <a:p>
             <a:fld id="{9CED7BD2-846F-4874-B870-4ACFFB3ECA07}" type="datetimeFigureOut">
               <a:rPr lang="zh-TW" altLang="en-US" smtClean="0"/>
-              <a:t>2019/3/6</a:t>
+              <a:t>2019/3/7</a:t>
             </a:fld>
             <a:endParaRPr lang="zh-TW" altLang="en-US"/>
           </a:p>
@@ -3146,7 +3146,7 @@
           <a:p>
             <a:fld id="{9CED7BD2-846F-4874-B870-4ACFFB3ECA07}" type="datetimeFigureOut">
               <a:rPr lang="zh-TW" altLang="en-US" smtClean="0"/>
-              <a:t>2019/3/6</a:t>
+              <a:t>2019/3/7</a:t>
             </a:fld>
             <a:endParaRPr lang="zh-TW" altLang="en-US"/>
           </a:p>
@@ -3527,7 +3527,7 @@
           <a:p>
             <a:fld id="{9CED7BD2-846F-4874-B870-4ACFFB3ECA07}" type="datetimeFigureOut">
               <a:rPr lang="zh-TW" altLang="en-US" smtClean="0"/>
-              <a:t>2019/3/6</a:t>
+              <a:t>2019/3/7</a:t>
             </a:fld>
             <a:endParaRPr lang="zh-TW" altLang="en-US"/>
           </a:p>
@@ -3796,7 +3796,7 @@
           <a:p>
             <a:fld id="{9CED7BD2-846F-4874-B870-4ACFFB3ECA07}" type="datetimeFigureOut">
               <a:rPr lang="zh-TW" altLang="en-US" smtClean="0"/>
-              <a:t>2019/3/6</a:t>
+              <a:t>2019/3/7</a:t>
             </a:fld>
             <a:endParaRPr lang="zh-TW" altLang="en-US"/>
           </a:p>
@@ -6267,16 +6267,98 @@
           <a:p>
             <a:r>
               <a:rPr lang="zh-TW" altLang="en-US" sz="2400" dirty="0" smtClean="0"/>
-              <a:t>現今人工智慧可以模仿人類</a:t>
-            </a:r>
-            <a:r>
-              <a:rPr lang="zh-TW" altLang="en-US" sz="2400" smtClean="0"/>
-              <a:t>做到許多</a:t>
+              <a:t>現今人工智慧可以模仿人類做到</a:t>
+            </a:r>
+            <a:r>
+              <a:rPr lang="zh-TW" altLang="en-US" sz="2400" dirty="0" smtClean="0"/>
+              <a:t>許多相似的事情，甚至能夠做得更好。</a:t>
             </a:r>
             <a:endParaRPr lang="zh-TW" altLang="en-US" sz="2400" dirty="0"/>
           </a:p>
         </p:txBody>
       </p:sp>
+      <p:pic>
+        <p:nvPicPr>
+          <p:cNvPr id="1026" name="Picture 2" descr="æä¸ç³è AlphaGo é¦æ°çµææçæ£å±ãDeepMind ç´æ­è¦é »æªå"/>
+          <p:cNvPicPr>
+            <a:picLocks noChangeAspect="1" noChangeArrowheads="1"/>
+          </p:cNvPicPr>
+          <p:nvPr/>
+        </p:nvPicPr>
+        <p:blipFill>
+          <a:blip r:embed="rId2">
+            <a:extLst>
+              <a:ext uri="{28A0092B-C50C-407E-A947-70E740481C1C}">
+                <a14:useLocalDpi xmlns:a14="http://schemas.microsoft.com/office/drawing/2010/main" val="0"/>
+              </a:ext>
+            </a:extLst>
+          </a:blip>
+          <a:srcRect/>
+          <a:stretch>
+            <a:fillRect/>
+          </a:stretch>
+        </p:blipFill>
+        <p:spPr bwMode="auto">
+          <a:xfrm>
+            <a:off x="1066800" y="2818105"/>
+            <a:ext cx="5136932" cy="2857229"/>
+          </a:xfrm>
+          <a:prstGeom prst="rect">
+            <a:avLst/>
+          </a:prstGeom>
+          <a:noFill/>
+          <a:extLst>
+            <a:ext uri="{909E8E84-426E-40DD-AFC4-6F175D3DCCD1}">
+              <a14:hiddenFill xmlns:a14="http://schemas.microsoft.com/office/drawing/2010/main">
+                <a:solidFill>
+                  <a:srgbClr val="FFFFFF"/>
+                </a:solidFill>
+              </a14:hiddenFill>
+            </a:ext>
+          </a:extLst>
+        </p:spPr>
+      </p:pic>
+      <p:pic>
+        <p:nvPicPr>
+          <p:cNvPr id="1028" name="Picture 4" descr="ãalphago ææµ·ãçåçæå°çµæ"/>
+          <p:cNvPicPr>
+            <a:picLocks noChangeAspect="1" noChangeArrowheads="1"/>
+          </p:cNvPicPr>
+          <p:nvPr/>
+        </p:nvPicPr>
+        <p:blipFill>
+          <a:blip r:embed="rId3">
+            <a:extLst>
+              <a:ext uri="{28A0092B-C50C-407E-A947-70E740481C1C}">
+                <a14:useLocalDpi xmlns:a14="http://schemas.microsoft.com/office/drawing/2010/main" val="0"/>
+              </a:ext>
+            </a:extLst>
+          </a:blip>
+          <a:srcRect/>
+          <a:stretch>
+            <a:fillRect/>
+          </a:stretch>
+        </p:blipFill>
+        <p:spPr bwMode="auto">
+          <a:xfrm>
+            <a:off x="6434086" y="2818105"/>
+            <a:ext cx="4921468" cy="2771166"/>
+          </a:xfrm>
+          <a:prstGeom prst="rect">
+            <a:avLst/>
+          </a:prstGeom>
+          <a:noFill/>
+          <a:extLst>
+            <a:ext uri="{909E8E84-426E-40DD-AFC4-6F175D3DCCD1}">
+              <a14:hiddenFill xmlns:a14="http://schemas.microsoft.com/office/drawing/2010/main">
+                <a:solidFill>
+                  <a:srgbClr val="FFFFFF"/>
+                </a:solidFill>
+              </a14:hiddenFill>
+            </a:ext>
+          </a:extLst>
+        </p:spPr>
+      </p:pic>
     </p:spTree>
     <p:extLst>
       <p:ext uri="{BB962C8B-B14F-4D97-AF65-F5344CB8AC3E}">
@@ -6314,41 +6396,76 @@
           <a:chExt cx="0" cy="0"/>
         </a:xfrm>
       </p:grpSpPr>
-      <p:sp>
-        <p:nvSpPr>
-          <p:cNvPr id="2" name="標題 1"/>
-          <p:cNvSpPr>
-            <a:spLocks noGrp="1"/>
-          </p:cNvSpPr>
-          <p:nvPr>
-            <p:ph type="title"/>
-          </p:nvPr>
-        </p:nvSpPr>
-        <p:spPr/>
-        <p:txBody>
-          <a:bodyPr/>
-          <a:lstStyle/>
-          <a:p>
+      <p:pic>
+        <p:nvPicPr>
+          <p:cNvPr id="2050" name="Picture 2" descr="ç¸éåç"/>
+          <p:cNvPicPr>
+            <a:picLocks noGrp="1" noChangeAspect="1" noChangeArrowheads="1"/>
+          </p:cNvPicPr>
+          <p:nvPr>
+            <p:ph idx="4294967295"/>
+          </p:nvPr>
+        </p:nvPicPr>
+        <p:blipFill>
+          <a:blip r:embed="rId2">
+            <a:extLst>
+              <a:ext uri="{28A0092B-C50C-407E-A947-70E740481C1C}">
+                <a14:useLocalDpi xmlns:a14="http://schemas.microsoft.com/office/drawing/2010/main" val="0"/>
+              </a:ext>
+            </a:extLst>
+          </a:blip>
+          <a:srcRect/>
+          <a:stretch>
+            <a:fillRect/>
+          </a:stretch>
+        </p:blipFill>
+        <p:spPr bwMode="auto">
+          <a:xfrm>
+            <a:off x="968991" y="1352835"/>
+            <a:ext cx="6472238" cy="3932238"/>
+          </a:xfrm>
+          <a:prstGeom prst="rect">
+            <a:avLst/>
+          </a:prstGeom>
+          <a:noFill/>
+          <a:extLst>
+            <a:ext uri="{909E8E84-426E-40DD-AFC4-6F175D3DCCD1}">
+              <a14:hiddenFill xmlns:a14="http://schemas.microsoft.com/office/drawing/2010/main">
+                <a:solidFill>
+                  <a:srgbClr val="FFFFFF"/>
+                </a:solidFill>
+              </a14:hiddenFill>
+            </a:ext>
+          </a:extLst>
+        </p:spPr>
+      </p:pic>
+      <p:sp>
+        <p:nvSpPr>
+          <p:cNvPr id="4" name="文字方塊 3"/>
+          <p:cNvSpPr txBox="1"/>
+          <p:nvPr/>
+        </p:nvSpPr>
+        <p:spPr>
+          <a:xfrm>
+            <a:off x="1078173" y="859809"/>
+            <a:ext cx="1338828" cy="369332"/>
+          </a:xfrm>
+          <a:prstGeom prst="rect">
+            <a:avLst/>
+          </a:prstGeom>
+          <a:noFill/>
+        </p:spPr>
+        <p:txBody>
+          <a:bodyPr wrap="none" rtlCol="0">
+            <a:spAutoFit/>
+          </a:bodyPr>
+          <a:lstStyle/>
+          <a:p>
+            <a:r>
+              <a:rPr lang="zh-TW" altLang="en-US" smtClean="0"/>
+              <a:t>基於這樣的</a:t>
+            </a:r>
             <a:endParaRPr lang="zh-TW" altLang="en-US"/>
-          </a:p>
-        </p:txBody>
-      </p:sp>
-      <p:sp>
-        <p:nvSpPr>
-          <p:cNvPr id="3" name="內容版面配置區 2"/>
-          <p:cNvSpPr>
-            <a:spLocks noGrp="1"/>
-          </p:cNvSpPr>
-          <p:nvPr>
-            <p:ph idx="1"/>
-          </p:nvPr>
-        </p:nvSpPr>
-        <p:spPr/>
-        <p:txBody>
-          <a:bodyPr/>
-          <a:lstStyle/>
-          <a:p>
-            <a:endParaRPr lang="zh-TW" altLang="en-US" dirty="0"/>
           </a:p>
         </p:txBody>
       </p:sp>
